--- a/Bemutató1.pptx
+++ b/Bemutató1.pptx
@@ -298,7 +298,7 @@
           <a:p>
             <a:fld id="{21EAF7C9-6C09-49D7-B40A-D4DCB79F4ECF}" type="datetimeFigureOut">
               <a:rPr lang="hu-HU" smtClean="0"/>
-              <a:t>2022. 09. 18.</a:t>
+              <a:t>2022.09.19.</a:t>
             </a:fld>
             <a:endParaRPr lang="hu-HU" dirty="0"/>
           </a:p>
@@ -496,7 +496,7 @@
           <a:p>
             <a:fld id="{21EAF7C9-6C09-49D7-B40A-D4DCB79F4ECF}" type="datetimeFigureOut">
               <a:rPr lang="hu-HU" smtClean="0"/>
-              <a:t>2022. 09. 18.</a:t>
+              <a:t>2022.09.19.</a:t>
             </a:fld>
             <a:endParaRPr lang="hu-HU" dirty="0"/>
           </a:p>
@@ -704,7 +704,7 @@
           <a:p>
             <a:fld id="{21EAF7C9-6C09-49D7-B40A-D4DCB79F4ECF}" type="datetimeFigureOut">
               <a:rPr lang="hu-HU" smtClean="0"/>
-              <a:t>2022. 09. 18.</a:t>
+              <a:t>2022.09.19.</a:t>
             </a:fld>
             <a:endParaRPr lang="hu-HU" dirty="0"/>
           </a:p>
@@ -902,7 +902,7 @@
           <a:p>
             <a:fld id="{21EAF7C9-6C09-49D7-B40A-D4DCB79F4ECF}" type="datetimeFigureOut">
               <a:rPr lang="hu-HU" smtClean="0"/>
-              <a:t>2022. 09. 18.</a:t>
+              <a:t>2022.09.19.</a:t>
             </a:fld>
             <a:endParaRPr lang="hu-HU" dirty="0"/>
           </a:p>
@@ -1177,7 +1177,7 @@
           <a:p>
             <a:fld id="{21EAF7C9-6C09-49D7-B40A-D4DCB79F4ECF}" type="datetimeFigureOut">
               <a:rPr lang="hu-HU" smtClean="0"/>
-              <a:t>2022. 09. 18.</a:t>
+              <a:t>2022.09.19.</a:t>
             </a:fld>
             <a:endParaRPr lang="hu-HU" dirty="0"/>
           </a:p>
@@ -1442,7 +1442,7 @@
           <a:p>
             <a:fld id="{21EAF7C9-6C09-49D7-B40A-D4DCB79F4ECF}" type="datetimeFigureOut">
               <a:rPr lang="hu-HU" smtClean="0"/>
-              <a:t>2022. 09. 18.</a:t>
+              <a:t>2022.09.19.</a:t>
             </a:fld>
             <a:endParaRPr lang="hu-HU" dirty="0"/>
           </a:p>
@@ -1854,7 +1854,7 @@
           <a:p>
             <a:fld id="{21EAF7C9-6C09-49D7-B40A-D4DCB79F4ECF}" type="datetimeFigureOut">
               <a:rPr lang="hu-HU" smtClean="0"/>
-              <a:t>2022. 09. 18.</a:t>
+              <a:t>2022.09.19.</a:t>
             </a:fld>
             <a:endParaRPr lang="hu-HU" dirty="0"/>
           </a:p>
@@ -1995,7 +1995,7 @@
           <a:p>
             <a:fld id="{21EAF7C9-6C09-49D7-B40A-D4DCB79F4ECF}" type="datetimeFigureOut">
               <a:rPr lang="hu-HU" smtClean="0"/>
-              <a:t>2022. 09. 18.</a:t>
+              <a:t>2022.09.19.</a:t>
             </a:fld>
             <a:endParaRPr lang="hu-HU" dirty="0"/>
           </a:p>
@@ -2108,7 +2108,7 @@
           <a:p>
             <a:fld id="{21EAF7C9-6C09-49D7-B40A-D4DCB79F4ECF}" type="datetimeFigureOut">
               <a:rPr lang="hu-HU" smtClean="0"/>
-              <a:t>2022. 09. 18.</a:t>
+              <a:t>2022.09.19.</a:t>
             </a:fld>
             <a:endParaRPr lang="hu-HU" dirty="0"/>
           </a:p>
@@ -2419,7 +2419,7 @@
           <a:p>
             <a:fld id="{21EAF7C9-6C09-49D7-B40A-D4DCB79F4ECF}" type="datetimeFigureOut">
               <a:rPr lang="hu-HU" smtClean="0"/>
-              <a:t>2022. 09. 18.</a:t>
+              <a:t>2022.09.19.</a:t>
             </a:fld>
             <a:endParaRPr lang="hu-HU" dirty="0"/>
           </a:p>
@@ -2707,7 +2707,7 @@
           <a:p>
             <a:fld id="{21EAF7C9-6C09-49D7-B40A-D4DCB79F4ECF}" type="datetimeFigureOut">
               <a:rPr lang="hu-HU" smtClean="0"/>
-              <a:t>2022. 09. 18.</a:t>
+              <a:t>2022.09.19.</a:t>
             </a:fld>
             <a:endParaRPr lang="hu-HU" dirty="0"/>
           </a:p>
@@ -2948,7 +2948,7 @@
           <a:p>
             <a:fld id="{21EAF7C9-6C09-49D7-B40A-D4DCB79F4ECF}" type="datetimeFigureOut">
               <a:rPr lang="hu-HU" smtClean="0"/>
-              <a:t>2022. 09. 18.</a:t>
+              <a:t>2022.09.19.</a:t>
             </a:fld>
             <a:endParaRPr lang="hu-HU" dirty="0"/>
           </a:p>
@@ -3467,13 +3467,13 @@
           <p:nvPr/>
         </p:nvPicPr>
         <p:blipFill>
-          <a:blip r:embed="rId2">
+          <a:blip r:embed="rId2" cstate="hqprint">
             <a:extLst>
               <a:ext uri="{28A0092B-C50C-407E-A947-70E740481C1C}">
                 <a14:useLocalDpi xmlns:a14="http://schemas.microsoft.com/office/drawing/2010/main" val="0"/>
               </a:ext>
               <a:ext uri="{96DAC541-7B7A-43D3-8B79-37D633B846F1}">
-                <asvg:svgBlip xmlns:asvg="http://schemas.microsoft.com/office/drawing/2016/SVG/main" r:embed="rId3"/>
+                <asvg:svgBlip xmlns:asvg="http://schemas.microsoft.com/office/drawing/2016/SVG/main" xmlns="" r:embed="rId3"/>
               </a:ext>
             </a:extLst>
           </a:blip>
@@ -3506,13 +3506,13 @@
           <p:nvPr/>
         </p:nvPicPr>
         <p:blipFill>
-          <a:blip r:embed="rId4">
+          <a:blip r:embed="rId4" cstate="hqprint">
             <a:extLst>
               <a:ext uri="{28A0092B-C50C-407E-A947-70E740481C1C}">
                 <a14:useLocalDpi xmlns:a14="http://schemas.microsoft.com/office/drawing/2010/main" val="0"/>
               </a:ext>
               <a:ext uri="{96DAC541-7B7A-43D3-8B79-37D633B846F1}">
-                <asvg:svgBlip xmlns:asvg="http://schemas.microsoft.com/office/drawing/2016/SVG/main" r:embed="rId5"/>
+                <asvg:svgBlip xmlns:asvg="http://schemas.microsoft.com/office/drawing/2016/SVG/main" xmlns="" r:embed="rId5"/>
               </a:ext>
             </a:extLst>
           </a:blip>
@@ -4222,13 +4222,13 @@
   <p:clrMapOvr>
     <a:masterClrMapping/>
   </p:clrMapOvr>
-  <mc:AlternateContent xmlns:mc="http://schemas.openxmlformats.org/markup-compatibility/2006">
-    <mc:Choice xmlns:p159="http://schemas.microsoft.com/office/powerpoint/2015/09/main" Requires="p159">
+  <mc:AlternateContent xmlns:mc="http://schemas.openxmlformats.org/markup-compatibility/2006" xmlns:p159="http://schemas.microsoft.com/office/powerpoint/2015/09/main">
+    <mc:Choice Requires="p159">
       <p:transition spd="slow">
         <p159:morph option="byObject"/>
       </p:transition>
     </mc:Choice>
-    <mc:Fallback>
+    <mc:Fallback xmlns="">
       <p:transition spd="slow">
         <p:fade/>
       </p:transition>
@@ -4534,18 +4534,25 @@
   <p:clrMapOvr>
     <a:masterClrMapping/>
   </p:clrMapOvr>
-  <mc:AlternateContent xmlns:mc="http://schemas.openxmlformats.org/markup-compatibility/2006">
-    <mc:Choice xmlns:p159="http://schemas.microsoft.com/office/powerpoint/2015/09/main" Requires="p159">
+  <mc:AlternateContent xmlns:mc="http://schemas.openxmlformats.org/markup-compatibility/2006" xmlns:p159="http://schemas.microsoft.com/office/powerpoint/2015/09/main">
+    <mc:Choice Requires="p159">
       <p:transition xmlns:p14="http://schemas.microsoft.com/office/powerpoint/2010/main" p14:dur="10">
         <p159:morph option="byObject"/>
       </p:transition>
     </mc:Choice>
-    <mc:Fallback>
+    <mc:Fallback xmlns="">
       <p:transition>
         <p:fade/>
       </p:transition>
     </mc:Fallback>
   </mc:AlternateContent>
+  <p:timing>
+    <p:tnLst>
+      <p:par>
+        <p:cTn id="1" dur="indefinite" restart="never" nodeType="tmRoot"/>
+      </p:par>
+    </p:tnLst>
+  </p:timing>
 </p:sld>
 </file>
 
@@ -4784,15 +4791,16 @@
                 <a:solidFill>
                   <a:schemeClr val="bg1"/>
                 </a:solidFill>
-                <a:hlinkClick r:id="rId2">
-                  <a:extLst>
-                    <a:ext uri="{A12FA001-AC4F-418D-AE19-62706E023703}">
-                      <ahyp:hlinkClr xmlns:ahyp="http://schemas.microsoft.com/office/drawing/2018/hyperlinkcolor" val="tx"/>
-                    </a:ext>
-                  </a:extLst>
-                </a:hlinkClick>
               </a:rPr>
-              <a:t>https://mfor.hu/cikkek/befektetes/az-informatika-a-mezogazdasag-jovoje-nagyon-sok-mulhat-rajta.html</a:t>
+              <a:t>https://</a:t>
+            </a:r>
+            <a:r>
+              <a:rPr lang="hu-HU" sz="3200" dirty="0" smtClean="0">
+                <a:solidFill>
+                  <a:schemeClr val="bg1"/>
+                </a:solidFill>
+              </a:rPr>
+              <a:t>mfor.hu/cikkek/befektetes/az-informatika-a-mezogazdasag-jovoje-nagyon-sok-mulhat-rajta.html</a:t>
             </a:r>
             <a:endParaRPr lang="hu-HU" sz="3200" dirty="0">
               <a:solidFill>
@@ -4810,21 +4818,9 @@
                 <a:solidFill>
                   <a:schemeClr val="bg1"/>
                 </a:solidFill>
-                <a:hlinkClick r:id="rId3">
-                  <a:extLst>
-                    <a:ext uri="{A12FA001-AC4F-418D-AE19-62706E023703}">
-                      <ahyp:hlinkClr xmlns:ahyp="http://schemas.microsoft.com/office/drawing/2018/hyperlinkcolor" val="tx"/>
-                    </a:ext>
-                  </a:extLst>
-                </a:hlinkClick>
               </a:rPr>
               <a:t>https://infobex.hu/hirek/cyber-mezogazdasag-az-it-terhoditasa-az-agrikulturaban/hu</a:t>
             </a:r>
-            <a:endParaRPr lang="hu-HU" sz="3200" dirty="0">
-              <a:solidFill>
-                <a:schemeClr val="bg1"/>
-              </a:solidFill>
-            </a:endParaRPr>
           </a:p>
           <a:p>
             <a:pPr marL="457200" indent="-457200">
@@ -4836,21 +4832,9 @@
                 <a:solidFill>
                   <a:schemeClr val="bg1"/>
                 </a:solidFill>
-                <a:hlinkClick r:id="rId4">
-                  <a:extLst>
-                    <a:ext uri="{A12FA001-AC4F-418D-AE19-62706E023703}">
-                      <ahyp:hlinkClr xmlns:ahyp="http://schemas.microsoft.com/office/drawing/2018/hyperlinkcolor" val="tx"/>
-                    </a:ext>
-                  </a:extLst>
-                </a:hlinkClick>
               </a:rPr>
               <a:t>https://agrarium7.hu/cikkek/2064-informatika-az-agrariumban</a:t>
             </a:r>
-            <a:endParaRPr lang="hu-HU" sz="3200" dirty="0">
-              <a:solidFill>
-                <a:schemeClr val="bg1"/>
-              </a:solidFill>
-            </a:endParaRPr>
           </a:p>
           <a:p>
             <a:pPr marL="457200" indent="-457200">
@@ -4862,21 +4846,25 @@
                 <a:solidFill>
                   <a:schemeClr val="bg1"/>
                 </a:solidFill>
-                <a:hlinkClick r:id="rId5">
-                  <a:extLst>
-                    <a:ext uri="{A12FA001-AC4F-418D-AE19-62706E023703}">
-                      <ahyp:hlinkClr xmlns:ahyp="http://schemas.microsoft.com/office/drawing/2018/hyperlinkcolor" val="tx"/>
-                    </a:ext>
-                  </a:extLst>
-                </a:hlinkClick>
               </a:rPr>
-              <a:t>https://innoskart.digital/innoskart_magazin/informatika-az-allattenyesztesben-agrarmernok-az-informatikusok-kozott/</a:t>
-            </a:r>
-            <a:endParaRPr lang="hu-HU" sz="3200" dirty="0">
-              <a:solidFill>
-                <a:schemeClr val="bg1"/>
-              </a:solidFill>
-            </a:endParaRPr>
+              <a:t>https://</a:t>
+            </a:r>
+            <a:r>
+              <a:rPr lang="hu-HU" sz="3200" dirty="0" smtClean="0">
+                <a:solidFill>
+                  <a:schemeClr val="bg1"/>
+                </a:solidFill>
+              </a:rPr>
+              <a:t>innoskart.digital/innoskart_magazin/informatika-az-allattenyesztesben-agrarmernok-az-informatikusok-kozott</a:t>
+            </a:r>
+            <a:r>
+              <a:rPr lang="hu-HU" sz="3200" dirty="0">
+                <a:solidFill>
+                  <a:schemeClr val="bg1"/>
+                </a:solidFill>
+              </a:rPr>
+              <a:t>/</a:t>
+            </a:r>
           </a:p>
         </p:txBody>
       </p:sp>
@@ -4890,13 +4878,13 @@
   <p:clrMapOvr>
     <a:masterClrMapping/>
   </p:clrMapOvr>
-  <mc:AlternateContent xmlns:mc="http://schemas.openxmlformats.org/markup-compatibility/2006">
-    <mc:Choice xmlns:p159="http://schemas.microsoft.com/office/powerpoint/2015/09/main" Requires="p159">
+  <mc:AlternateContent xmlns:mc="http://schemas.openxmlformats.org/markup-compatibility/2006" xmlns:p159="http://schemas.microsoft.com/office/powerpoint/2015/09/main">
+    <mc:Choice Requires="p159">
       <p:transition spd="slow">
         <p159:morph option="byObject"/>
       </p:transition>
     </mc:Choice>
-    <mc:Fallback>
+    <mc:Fallback xmlns="">
       <p:transition spd="slow">
         <p:fade/>
       </p:transition>
@@ -5214,6 +5202,13 @@
       </p:transition>
     </mc:Fallback>
   </mc:AlternateContent>
+  <p:timing>
+    <p:tnLst>
+      <p:par>
+        <p:cTn id="1" dur="indefinite" restart="never" nodeType="tmRoot"/>
+      </p:par>
+    </p:tnLst>
+  </p:timing>
 </p:sld>
 </file>
 
@@ -5688,13 +5683,13 @@
   <p:clrMapOvr>
     <a:masterClrMapping/>
   </p:clrMapOvr>
-  <mc:AlternateContent xmlns:mc="http://schemas.openxmlformats.org/markup-compatibility/2006">
-    <mc:Choice xmlns:p159="http://schemas.microsoft.com/office/powerpoint/2015/09/main" Requires="p159">
+  <mc:AlternateContent xmlns:mc="http://schemas.openxmlformats.org/markup-compatibility/2006" xmlns:p159="http://schemas.microsoft.com/office/powerpoint/2015/09/main">
+    <mc:Choice Requires="p159">
       <p:transition spd="slow">
         <p159:morph option="byObject"/>
       </p:transition>
     </mc:Choice>
-    <mc:Fallback>
+    <mc:Fallback xmlns="">
       <p:transition spd="slow">
         <p:fade/>
       </p:transition>
@@ -6182,13 +6177,13 @@
   <p:clrMapOvr>
     <a:masterClrMapping/>
   </p:clrMapOvr>
-  <mc:AlternateContent xmlns:mc="http://schemas.openxmlformats.org/markup-compatibility/2006">
-    <mc:Choice xmlns:p159="http://schemas.microsoft.com/office/powerpoint/2015/09/main" Requires="p159">
+  <mc:AlternateContent xmlns:mc="http://schemas.openxmlformats.org/markup-compatibility/2006" xmlns:p159="http://schemas.microsoft.com/office/powerpoint/2015/09/main">
+    <mc:Choice Requires="p159">
       <p:transition spd="slow">
         <p159:morph option="byObject"/>
       </p:transition>
     </mc:Choice>
-    <mc:Fallback>
+    <mc:Fallback xmlns="">
       <p:transition spd="slow">
         <p:fade/>
       </p:transition>
@@ -6505,7 +6500,7 @@
         <p:spPr>
           <a:xfrm>
             <a:off x="263302" y="1528686"/>
-            <a:ext cx="7324495" cy="3539430"/>
+            <a:ext cx="7324495" cy="3046988"/>
           </a:xfrm>
           <a:prstGeom prst="rect">
             <a:avLst/>
@@ -6528,8 +6523,13 @@
                   <a:schemeClr val="bg1"/>
                 </a:solidFill>
               </a:rPr>
-              <a:t>fejlesztéssel párhuzamos oktatás és tudásanyag átadás</a:t>
-            </a:r>
+              <a:t>fejlesztéssel párhuzamos oktatás </a:t>
+            </a:r>
+            <a:endParaRPr lang="hu-HU" sz="3200" dirty="0">
+              <a:solidFill>
+                <a:schemeClr val="bg1"/>
+              </a:solidFill>
+            </a:endParaRPr>
           </a:p>
           <a:p>
             <a:pPr marL="285750" indent="-285750">
@@ -6537,12 +6537,20 @@
               <a:buChar char="•"/>
             </a:pPr>
             <a:r>
+              <a:rPr lang="hu-HU" sz="3200" dirty="0" smtClean="0">
+                <a:solidFill>
+                  <a:schemeClr val="bg1"/>
+                </a:solidFill>
+              </a:rPr>
+              <a:t>Folyamatos </a:t>
+            </a:r>
+            <a:r>
               <a:rPr lang="hu-HU" sz="3200" dirty="0">
                 <a:solidFill>
                   <a:schemeClr val="bg1"/>
                 </a:solidFill>
               </a:rPr>
-              <a:t>Folyamatos haladás</a:t>
+              <a:t>haladás</a:t>
             </a:r>
           </a:p>
           <a:p>
@@ -6613,13 +6621,13 @@
   <p:clrMapOvr>
     <a:masterClrMapping/>
   </p:clrMapOvr>
-  <mc:AlternateContent xmlns:mc="http://schemas.openxmlformats.org/markup-compatibility/2006">
-    <mc:Choice xmlns:p159="http://schemas.microsoft.com/office/powerpoint/2015/09/main" Requires="p159">
+  <mc:AlternateContent xmlns:mc="http://schemas.openxmlformats.org/markup-compatibility/2006" xmlns:p159="http://schemas.microsoft.com/office/powerpoint/2015/09/main">
+    <mc:Choice Requires="p159">
       <p:transition spd="slow">
         <p159:morph option="byObject"/>
       </p:transition>
     </mc:Choice>
-    <mc:Fallback>
+    <mc:Fallback xmlns="">
       <p:transition spd="slow">
         <p:fade/>
       </p:transition>
@@ -6948,7 +6956,7 @@
         <p:spPr>
           <a:xfrm>
             <a:off x="348209" y="692191"/>
-            <a:ext cx="6630107" cy="4524315"/>
+            <a:ext cx="6630107" cy="3416320"/>
           </a:xfrm>
           <a:prstGeom prst="rect">
             <a:avLst/>
@@ -6994,12 +7002,28 @@
               <a:buChar char="•"/>
             </a:pPr>
             <a:r>
+              <a:rPr lang="hu-HU" sz="3600" dirty="0" smtClean="0">
+                <a:solidFill>
+                  <a:schemeClr val="bg1"/>
+                </a:solidFill>
+              </a:rPr>
+              <a:t>n</a:t>
+            </a:r>
+            <a:r>
+              <a:rPr lang="hu-HU" sz="3600" dirty="0" smtClean="0">
+                <a:solidFill>
+                  <a:schemeClr val="bg1"/>
+                </a:solidFill>
+              </a:rPr>
+              <a:t>incs saját </a:t>
+            </a:r>
+            <a:r>
               <a:rPr lang="hu-HU" sz="3600" dirty="0">
                 <a:solidFill>
                   <a:schemeClr val="bg1"/>
                 </a:solidFill>
               </a:rPr>
-              <a:t>nem jellemző a saját IT szakember</a:t>
+              <a:t>IT szakember</a:t>
             </a:r>
           </a:p>
           <a:p>
@@ -7013,23 +7037,15 @@
                   <a:schemeClr val="bg1"/>
                 </a:solidFill>
               </a:rPr>
-              <a:t>plusz </a:t>
-            </a:r>
-            <a:r>
-              <a:rPr lang="hu-HU" sz="3600" dirty="0" err="1">
+              <a:t>t</a:t>
+            </a:r>
+            <a:r>
+              <a:rPr lang="hu-HU" sz="3600" dirty="0" smtClean="0">
                 <a:solidFill>
                   <a:schemeClr val="bg1"/>
                 </a:solidFill>
               </a:rPr>
-              <a:t>terhektől</a:t>
-            </a:r>
-            <a:r>
-              <a:rPr lang="hu-HU" sz="3600" dirty="0">
-                <a:solidFill>
-                  <a:schemeClr val="bg1"/>
-                </a:solidFill>
-              </a:rPr>
-              <a:t> szabadul meg a vállalkozás</a:t>
+              <a:t>ehercsökkenés</a:t>
             </a:r>
           </a:p>
           <a:p>
@@ -7038,12 +7054,28 @@
               <a:buChar char="•"/>
             </a:pPr>
             <a:r>
+              <a:rPr lang="hu-HU" sz="3600" dirty="0" smtClean="0">
+                <a:solidFill>
+                  <a:schemeClr val="bg1"/>
+                </a:solidFill>
+              </a:rPr>
+              <a:t>h</a:t>
+            </a:r>
+            <a:r>
+              <a:rPr lang="hu-HU" sz="3600" dirty="0" smtClean="0">
+                <a:solidFill>
+                  <a:schemeClr val="bg1"/>
+                </a:solidFill>
+              </a:rPr>
+              <a:t>elyben azonosítható </a:t>
+            </a:r>
+            <a:r>
               <a:rPr lang="hu-HU" sz="3600" dirty="0">
                 <a:solidFill>
                   <a:schemeClr val="bg1"/>
                 </a:solidFill>
               </a:rPr>
-              <a:t>már a termőterületen azonosítható a probléma</a:t>
+              <a:t>a probléma</a:t>
             </a:r>
           </a:p>
         </p:txBody>
@@ -7144,13 +7176,13 @@
   <p:clrMapOvr>
     <a:masterClrMapping/>
   </p:clrMapOvr>
-  <mc:AlternateContent xmlns:mc="http://schemas.openxmlformats.org/markup-compatibility/2006">
-    <mc:Choice xmlns:p159="http://schemas.microsoft.com/office/powerpoint/2015/09/main" Requires="p159">
+  <mc:AlternateContent xmlns:mc="http://schemas.openxmlformats.org/markup-compatibility/2006" xmlns:p159="http://schemas.microsoft.com/office/powerpoint/2015/09/main">
+    <mc:Choice Requires="p159">
       <p:transition spd="slow">
         <p159:morph option="byObject"/>
       </p:transition>
     </mc:Choice>
-    <mc:Fallback>
+    <mc:Fallback xmlns="">
       <p:transition spd="slow">
         <p:fade/>
       </p:transition>
@@ -7635,13 +7667,13 @@
   <p:clrMapOvr>
     <a:masterClrMapping/>
   </p:clrMapOvr>
-  <mc:AlternateContent xmlns:mc="http://schemas.openxmlformats.org/markup-compatibility/2006">
-    <mc:Choice xmlns:p159="http://schemas.microsoft.com/office/powerpoint/2015/09/main" Requires="p159">
+  <mc:AlternateContent xmlns:mc="http://schemas.openxmlformats.org/markup-compatibility/2006" xmlns:p159="http://schemas.microsoft.com/office/powerpoint/2015/09/main">
+    <mc:Choice Requires="p159">
       <p:transition spd="slow">
         <p159:morph option="byObject"/>
       </p:transition>
     </mc:Choice>
-    <mc:Fallback>
+    <mc:Fallback xmlns="">
       <p:transition spd="slow">
         <p:fade/>
       </p:transition>
@@ -7986,7 +8018,47 @@
                   <a:schemeClr val="bg1"/>
                 </a:solidFill>
               </a:rPr>
-              <a:t>hatékonyság növelése, károk csökkentése		távérzékelés - precíziós technológia</a:t>
+              <a:t>hatékonyság növelése, károk </a:t>
+            </a:r>
+            <a:r>
+              <a:rPr lang="hu-HU" sz="3200" dirty="0" smtClean="0">
+                <a:solidFill>
+                  <a:schemeClr val="bg1"/>
+                </a:solidFill>
+              </a:rPr>
+              <a:t>csökkentése</a:t>
+            </a:r>
+            <a:r>
+              <a:rPr lang="hu-HU" sz="3200" dirty="0">
+                <a:solidFill>
+                  <a:schemeClr val="bg1"/>
+                </a:solidFill>
+              </a:rPr>
+              <a:t> </a:t>
+            </a:r>
+            <a:r>
+              <a:rPr lang="hu-HU" sz="3200" dirty="0" smtClean="0">
+                <a:solidFill>
+                  <a:schemeClr val="bg1"/>
+                </a:solidFill>
+              </a:rPr>
+              <a:t>- </a:t>
+            </a:r>
+            <a:r>
+              <a:rPr lang="hu-HU" sz="3200" dirty="0" smtClean="0">
+                <a:solidFill>
+                  <a:schemeClr val="bg1"/>
+                </a:solidFill>
+              </a:rPr>
+              <a:t>távérzékelés </a:t>
+            </a:r>
+            <a:r>
+              <a:rPr lang="hu-HU" sz="3200" dirty="0">
+                <a:solidFill>
+                  <a:schemeClr val="bg1"/>
+                </a:solidFill>
+              </a:rPr>
+              <a:t>- precíziós technológia</a:t>
             </a:r>
           </a:p>
           <a:p>
@@ -8154,13 +8226,13 @@
   <p:clrMapOvr>
     <a:masterClrMapping/>
   </p:clrMapOvr>
-  <mc:AlternateContent xmlns:mc="http://schemas.openxmlformats.org/markup-compatibility/2006">
-    <mc:Choice xmlns:p159="http://schemas.microsoft.com/office/powerpoint/2015/09/main" Requires="p159">
+  <mc:AlternateContent xmlns:mc="http://schemas.openxmlformats.org/markup-compatibility/2006" xmlns:p159="http://schemas.microsoft.com/office/powerpoint/2015/09/main">
+    <mc:Choice Requires="p159">
       <p:transition spd="slow">
         <p159:morph option="byObject"/>
       </p:transition>
     </mc:Choice>
-    <mc:Fallback>
+    <mc:Fallback xmlns="">
       <p:transition spd="slow">
         <p:fade/>
       </p:transition>
@@ -8701,13 +8773,13 @@
   <p:clrMapOvr>
     <a:masterClrMapping/>
   </p:clrMapOvr>
-  <mc:AlternateContent xmlns:mc="http://schemas.openxmlformats.org/markup-compatibility/2006">
-    <mc:Choice xmlns:p159="http://schemas.microsoft.com/office/powerpoint/2015/09/main" Requires="p159">
+  <mc:AlternateContent xmlns:mc="http://schemas.openxmlformats.org/markup-compatibility/2006" xmlns:p159="http://schemas.microsoft.com/office/powerpoint/2015/09/main">
+    <mc:Choice Requires="p159">
       <p:transition spd="slow">
         <p159:morph option="byObject"/>
       </p:transition>
     </mc:Choice>
-    <mc:Fallback>
+    <mc:Fallback xmlns="">
       <p:transition spd="slow">
         <p:fade/>
       </p:transition>
